--- a/Traffic Crashes Data Analysis Project.pptx
+++ b/Traffic Crashes Data Analysis Project.pptx
@@ -26479,20 +26479,20 @@
 </file>
 
 <file path=customXml/item1.xml><?xml version="1.0" encoding="utf-8"?>
-<p:properties xmlns:p="http://schemas.microsoft.com/office/2006/metadata/properties" xmlns:xsi="http://www.w3.org/2001/XMLSchema-instance" xmlns:pc="http://schemas.microsoft.com/office/infopath/2007/PartnerControls">
-  <documentManagement>
-    <_activity xmlns="b2f252b3-ecaa-4c11-b5ec-bcfccf4b0729" xsi:nil="true"/>
-  </documentManagement>
-</p:properties>
-</file>
-
-<file path=customXml/item2.xml><?xml version="1.0" encoding="utf-8"?>
 <?mso-contentType ?>
 <FormTemplates xmlns="http://schemas.microsoft.com/sharepoint/v3/contenttype/forms">
   <Display>DocumentLibraryForm</Display>
   <Edit>DocumentLibraryForm</Edit>
   <New>DocumentLibraryForm</New>
 </FormTemplates>
+</file>
+
+<file path=customXml/item2.xml><?xml version="1.0" encoding="utf-8"?>
+<p:properties xmlns:p="http://schemas.microsoft.com/office/2006/metadata/properties" xmlns:xsi="http://www.w3.org/2001/XMLSchema-instance" xmlns:pc="http://schemas.microsoft.com/office/infopath/2007/PartnerControls">
+  <documentManagement>
+    <_activity xmlns="b2f252b3-ecaa-4c11-b5ec-bcfccf4b0729" xsi:nil="true"/>
+  </documentManagement>
+</p:properties>
 </file>
 
 <file path=customXml/item3.xml><?xml version="1.0" encoding="utf-8"?>
@@ -26652,6 +26652,14 @@
 </file>
 
 <file path=customXml/itemProps1.xml><?xml version="1.0" encoding="utf-8"?>
+<ds:datastoreItem xmlns:ds="http://schemas.openxmlformats.org/officeDocument/2006/customXml" ds:itemID="{773A7F66-89B3-403D-896D-43EBD2E9C5F8}">
+  <ds:schemaRefs>
+    <ds:schemaRef ds:uri="http://schemas.microsoft.com/sharepoint/v3/contenttype/forms"/>
+  </ds:schemaRefs>
+</ds:datastoreItem>
+</file>
+
+<file path=customXml/itemProps2.xml><?xml version="1.0" encoding="utf-8"?>
 <ds:datastoreItem xmlns:ds="http://schemas.openxmlformats.org/officeDocument/2006/customXml" ds:itemID="{401DB3CF-B775-4AB0-AB59-1ECEE558E76C}">
   <ds:schemaRefs>
     <ds:schemaRef ds:uri="http://schemas.openxmlformats.org/package/2006/metadata/core-properties"/>
@@ -26663,14 +26671,6 @@
     <ds:schemaRef ds:uri="b2f252b3-ecaa-4c11-b5ec-bcfccf4b0729"/>
     <ds:schemaRef ds:uri="http://schemas.microsoft.com/office/2006/metadata/properties"/>
     <ds:schemaRef ds:uri="http://www.w3.org/XML/1998/namespace"/>
-  </ds:schemaRefs>
-</ds:datastoreItem>
-</file>
-
-<file path=customXml/itemProps2.xml><?xml version="1.0" encoding="utf-8"?>
-<ds:datastoreItem xmlns:ds="http://schemas.openxmlformats.org/officeDocument/2006/customXml" ds:itemID="{773A7F66-89B3-403D-896D-43EBD2E9C5F8}">
-  <ds:schemaRefs>
-    <ds:schemaRef ds:uri="http://schemas.microsoft.com/sharepoint/v3/contenttype/forms"/>
   </ds:schemaRefs>
 </ds:datastoreItem>
 </file>
